--- a/Presentation.pptx
+++ b/Presentation.pptx
@@ -7,6 +7,14 @@
   <p:sldIdLst>
     <p:sldId id="256" r:id="rId2"/>
     <p:sldId id="257" r:id="rId3"/>
+    <p:sldId id="258" r:id="rId4"/>
+    <p:sldId id="259" r:id="rId5"/>
+    <p:sldId id="263" r:id="rId6"/>
+    <p:sldId id="264" r:id="rId7"/>
+    <p:sldId id="265" r:id="rId8"/>
+    <p:sldId id="262" r:id="rId9"/>
+    <p:sldId id="260" r:id="rId10"/>
+    <p:sldId id="261" r:id="rId11"/>
   </p:sldIdLst>
   <p:sldSz cx="12192000" cy="6858000"/>
   <p:notesSz cx="6858000" cy="9144000"/>
@@ -121,6 +129,194 @@
 </p1510:revInfo>
 </file>
 
+<file path=ppt/changesInfos/changesInfo1.xml><?xml version="1.0" encoding="utf-8"?>
+<pc:chgInfo xmlns:a="http://schemas.openxmlformats.org/drawingml/2006/main" xmlns:r="http://schemas.openxmlformats.org/officeDocument/2006/relationships" xmlns:ac="http://schemas.microsoft.com/office/drawing/2013/main/command" xmlns:pc="http://schemas.microsoft.com/office/powerpoint/2013/main/command">
+  <pc:docChgLst>
+    <pc:chgData name="Andreas Hølleland" userId="c34e189ace966537" providerId="LiveId" clId="{8068FDB8-1396-42DA-91A0-31DAB88F65B0}"/>
+    <pc:docChg chg="addSld modSld sldOrd">
+      <pc:chgData name="Andreas Hølleland" userId="c34e189ace966537" providerId="LiveId" clId="{8068FDB8-1396-42DA-91A0-31DAB88F65B0}" dt="2022-11-24T15:18:18.620" v="511"/>
+      <pc:docMkLst>
+        <pc:docMk/>
+      </pc:docMkLst>
+      <pc:sldChg chg="modSp mod">
+        <pc:chgData name="Andreas Hølleland" userId="c34e189ace966537" providerId="LiveId" clId="{8068FDB8-1396-42DA-91A0-31DAB88F65B0}" dt="2022-11-24T14:53:45.757" v="3" actId="20577"/>
+        <pc:sldMkLst>
+          <pc:docMk/>
+          <pc:sldMk cId="3027773891" sldId="256"/>
+        </pc:sldMkLst>
+        <pc:spChg chg="mod">
+          <ac:chgData name="Andreas Hølleland" userId="c34e189ace966537" providerId="LiveId" clId="{8068FDB8-1396-42DA-91A0-31DAB88F65B0}" dt="2022-11-24T14:53:45.757" v="3" actId="20577"/>
+          <ac:spMkLst>
+            <pc:docMk/>
+            <pc:sldMk cId="3027773891" sldId="256"/>
+            <ac:spMk id="3" creationId="{7EB9EE24-0E76-9EE1-65BF-A38EC2F10A82}"/>
+          </ac:spMkLst>
+        </pc:spChg>
+      </pc:sldChg>
+      <pc:sldChg chg="modSp mod">
+        <pc:chgData name="Andreas Hølleland" userId="c34e189ace966537" providerId="LiveId" clId="{8068FDB8-1396-42DA-91A0-31DAB88F65B0}" dt="2022-11-24T15:07:36.619" v="414" actId="20577"/>
+        <pc:sldMkLst>
+          <pc:docMk/>
+          <pc:sldMk cId="2712213119" sldId="257"/>
+        </pc:sldMkLst>
+        <pc:spChg chg="mod">
+          <ac:chgData name="Andreas Hølleland" userId="c34e189ace966537" providerId="LiveId" clId="{8068FDB8-1396-42DA-91A0-31DAB88F65B0}" dt="2022-11-24T14:58:23.887" v="58" actId="20577"/>
+          <ac:spMkLst>
+            <pc:docMk/>
+            <pc:sldMk cId="2712213119" sldId="257"/>
+            <ac:spMk id="2" creationId="{AC72E0CC-0CE1-82D7-2F95-AAFB86E8196B}"/>
+          </ac:spMkLst>
+        </pc:spChg>
+        <pc:spChg chg="mod">
+          <ac:chgData name="Andreas Hølleland" userId="c34e189ace966537" providerId="LiveId" clId="{8068FDB8-1396-42DA-91A0-31DAB88F65B0}" dt="2022-11-24T15:07:36.619" v="414" actId="20577"/>
+          <ac:spMkLst>
+            <pc:docMk/>
+            <pc:sldMk cId="2712213119" sldId="257"/>
+            <ac:spMk id="3" creationId="{758D55D7-3571-0E28-80A6-D0D15A943C84}"/>
+          </ac:spMkLst>
+        </pc:spChg>
+      </pc:sldChg>
+      <pc:sldChg chg="modSp new mod">
+        <pc:chgData name="Andreas Hølleland" userId="c34e189ace966537" providerId="LiveId" clId="{8068FDB8-1396-42DA-91A0-31DAB88F65B0}" dt="2022-11-24T14:59:33.287" v="171" actId="20577"/>
+        <pc:sldMkLst>
+          <pc:docMk/>
+          <pc:sldMk cId="1663155470" sldId="258"/>
+        </pc:sldMkLst>
+        <pc:spChg chg="mod">
+          <ac:chgData name="Andreas Hølleland" userId="c34e189ace966537" providerId="LiveId" clId="{8068FDB8-1396-42DA-91A0-31DAB88F65B0}" dt="2022-11-24T14:59:33.287" v="171" actId="20577"/>
+          <ac:spMkLst>
+            <pc:docMk/>
+            <pc:sldMk cId="1663155470" sldId="258"/>
+            <ac:spMk id="2" creationId="{BE739DB5-B3A1-F247-D099-ADB3C4779FD1}"/>
+          </ac:spMkLst>
+        </pc:spChg>
+      </pc:sldChg>
+      <pc:sldChg chg="modSp new mod">
+        <pc:chgData name="Andreas Hølleland" userId="c34e189ace966537" providerId="LiveId" clId="{8068FDB8-1396-42DA-91A0-31DAB88F65B0}" dt="2022-11-24T15:01:22.238" v="251" actId="20577"/>
+        <pc:sldMkLst>
+          <pc:docMk/>
+          <pc:sldMk cId="3772156027" sldId="259"/>
+        </pc:sldMkLst>
+        <pc:spChg chg="mod">
+          <ac:chgData name="Andreas Hølleland" userId="c34e189ace966537" providerId="LiveId" clId="{8068FDB8-1396-42DA-91A0-31DAB88F65B0}" dt="2022-11-24T15:01:22.238" v="251" actId="20577"/>
+          <ac:spMkLst>
+            <pc:docMk/>
+            <pc:sldMk cId="3772156027" sldId="259"/>
+            <ac:spMk id="2" creationId="{0A9F36CD-41B6-E444-E8E4-D7EAA11FFF0C}"/>
+          </ac:spMkLst>
+        </pc:spChg>
+      </pc:sldChg>
+      <pc:sldChg chg="modSp new mod">
+        <pc:chgData name="Andreas Hølleland" userId="c34e189ace966537" providerId="LiveId" clId="{8068FDB8-1396-42DA-91A0-31DAB88F65B0}" dt="2022-11-24T15:05:06.387" v="404" actId="20577"/>
+        <pc:sldMkLst>
+          <pc:docMk/>
+          <pc:sldMk cId="3214279908" sldId="260"/>
+        </pc:sldMkLst>
+        <pc:spChg chg="mod">
+          <ac:chgData name="Andreas Hølleland" userId="c34e189ace966537" providerId="LiveId" clId="{8068FDB8-1396-42DA-91A0-31DAB88F65B0}" dt="2022-11-24T15:04:56.357" v="391" actId="20577"/>
+          <ac:spMkLst>
+            <pc:docMk/>
+            <pc:sldMk cId="3214279908" sldId="260"/>
+            <ac:spMk id="2" creationId="{497019CD-934B-3452-81B8-C9D5E24ABF10}"/>
+          </ac:spMkLst>
+        </pc:spChg>
+        <pc:spChg chg="mod">
+          <ac:chgData name="Andreas Hølleland" userId="c34e189ace966537" providerId="LiveId" clId="{8068FDB8-1396-42DA-91A0-31DAB88F65B0}" dt="2022-11-24T15:05:06.387" v="404" actId="20577"/>
+          <ac:spMkLst>
+            <pc:docMk/>
+            <pc:sldMk cId="3214279908" sldId="260"/>
+            <ac:spMk id="3" creationId="{9C62AF2D-8CE9-1908-6E31-84639370C050}"/>
+          </ac:spMkLst>
+        </pc:spChg>
+      </pc:sldChg>
+      <pc:sldChg chg="modSp new mod">
+        <pc:chgData name="Andreas Hølleland" userId="c34e189ace966537" providerId="LiveId" clId="{8068FDB8-1396-42DA-91A0-31DAB88F65B0}" dt="2022-11-24T15:02:46.707" v="345" actId="20577"/>
+        <pc:sldMkLst>
+          <pc:docMk/>
+          <pc:sldMk cId="3716999672" sldId="261"/>
+        </pc:sldMkLst>
+        <pc:spChg chg="mod">
+          <ac:chgData name="Andreas Hølleland" userId="c34e189ace966537" providerId="LiveId" clId="{8068FDB8-1396-42DA-91A0-31DAB88F65B0}" dt="2022-11-24T15:02:46.707" v="345" actId="20577"/>
+          <ac:spMkLst>
+            <pc:docMk/>
+            <pc:sldMk cId="3716999672" sldId="261"/>
+            <ac:spMk id="2" creationId="{9AB4F753-E17D-E0DB-14B5-21F2C2ADB460}"/>
+          </ac:spMkLst>
+        </pc:spChg>
+      </pc:sldChg>
+      <pc:sldChg chg="new ord">
+        <pc:chgData name="Andreas Hølleland" userId="c34e189ace966537" providerId="LiveId" clId="{8068FDB8-1396-42DA-91A0-31DAB88F65B0}" dt="2022-11-24T15:18:18.620" v="511"/>
+        <pc:sldMkLst>
+          <pc:docMk/>
+          <pc:sldMk cId="775651380" sldId="262"/>
+        </pc:sldMkLst>
+      </pc:sldChg>
+      <pc:sldChg chg="modSp new mod">
+        <pc:chgData name="Andreas Hølleland" userId="c34e189ace966537" providerId="LiveId" clId="{8068FDB8-1396-42DA-91A0-31DAB88F65B0}" dt="2022-11-24T15:17:51.947" v="509" actId="20577"/>
+        <pc:sldMkLst>
+          <pc:docMk/>
+          <pc:sldMk cId="3354071274" sldId="263"/>
+        </pc:sldMkLst>
+        <pc:spChg chg="mod">
+          <ac:chgData name="Andreas Hølleland" userId="c34e189ace966537" providerId="LiveId" clId="{8068FDB8-1396-42DA-91A0-31DAB88F65B0}" dt="2022-11-24T15:16:10.146" v="454" actId="20577"/>
+          <ac:spMkLst>
+            <pc:docMk/>
+            <pc:sldMk cId="3354071274" sldId="263"/>
+            <ac:spMk id="2" creationId="{3F92CBE6-9F3B-09F1-DD6B-0F9DB0936733}"/>
+          </ac:spMkLst>
+        </pc:spChg>
+        <pc:spChg chg="mod">
+          <ac:chgData name="Andreas Hølleland" userId="c34e189ace966537" providerId="LiveId" clId="{8068FDB8-1396-42DA-91A0-31DAB88F65B0}" dt="2022-11-24T15:17:51.947" v="509" actId="20577"/>
+          <ac:spMkLst>
+            <pc:docMk/>
+            <pc:sldMk cId="3354071274" sldId="263"/>
+            <ac:spMk id="3" creationId="{03AB9D83-F8F5-E630-1802-4CF48DD195A1}"/>
+          </ac:spMkLst>
+        </pc:spChg>
+      </pc:sldChg>
+      <pc:sldChg chg="modSp new mod">
+        <pc:chgData name="Andreas Hølleland" userId="c34e189ace966537" providerId="LiveId" clId="{8068FDB8-1396-42DA-91A0-31DAB88F65B0}" dt="2022-11-24T15:17:46.297" v="492" actId="20577"/>
+        <pc:sldMkLst>
+          <pc:docMk/>
+          <pc:sldMk cId="1105677519" sldId="264"/>
+        </pc:sldMkLst>
+        <pc:spChg chg="mod">
+          <ac:chgData name="Andreas Hølleland" userId="c34e189ace966537" providerId="LiveId" clId="{8068FDB8-1396-42DA-91A0-31DAB88F65B0}" dt="2022-11-24T15:16:13.087" v="463" actId="20577"/>
+          <ac:spMkLst>
+            <pc:docMk/>
+            <pc:sldMk cId="1105677519" sldId="264"/>
+            <ac:spMk id="2" creationId="{3739B3EA-19F7-20B7-96E4-936EBFECB246}"/>
+          </ac:spMkLst>
+        </pc:spChg>
+        <pc:spChg chg="mod">
+          <ac:chgData name="Andreas Hølleland" userId="c34e189ace966537" providerId="LiveId" clId="{8068FDB8-1396-42DA-91A0-31DAB88F65B0}" dt="2022-11-24T15:17:46.297" v="492" actId="20577"/>
+          <ac:spMkLst>
+            <pc:docMk/>
+            <pc:sldMk cId="1105677519" sldId="264"/>
+            <ac:spMk id="3" creationId="{6802E86C-AAE6-A052-D182-0EEA4930C786}"/>
+          </ac:spMkLst>
+        </pc:spChg>
+      </pc:sldChg>
+      <pc:sldChg chg="modSp new mod">
+        <pc:chgData name="Andreas Hølleland" userId="c34e189ace966537" providerId="LiveId" clId="{8068FDB8-1396-42DA-91A0-31DAB88F65B0}" dt="2022-11-24T15:16:18.517" v="476" actId="20577"/>
+        <pc:sldMkLst>
+          <pc:docMk/>
+          <pc:sldMk cId="1954204938" sldId="265"/>
+        </pc:sldMkLst>
+        <pc:spChg chg="mod">
+          <ac:chgData name="Andreas Hølleland" userId="c34e189ace966537" providerId="LiveId" clId="{8068FDB8-1396-42DA-91A0-31DAB88F65B0}" dt="2022-11-24T15:16:18.517" v="476" actId="20577"/>
+          <ac:spMkLst>
+            <pc:docMk/>
+            <pc:sldMk cId="1954204938" sldId="265"/>
+            <ac:spMk id="2" creationId="{C394854B-4427-36E2-68E8-BAE7BDF85B82}"/>
+          </ac:spMkLst>
+        </pc:spChg>
+      </pc:sldChg>
+    </pc:docChg>
+  </pc:docChgLst>
+</pc:chgInfo>
+</file>
+
 <file path=ppt/slideLayouts/slideLayout1.xml><?xml version="1.0" encoding="utf-8"?>
 <p:sldLayout xmlns:a="http://schemas.openxmlformats.org/drawingml/2006/main" xmlns:r="http://schemas.openxmlformats.org/officeDocument/2006/relationships" xmlns:p="http://schemas.openxmlformats.org/presentationml/2006/main" type="title" preserve="1">
   <p:cSld name="Title Slide">
@@ -268,7 +464,7 @@
           <a:p>
             <a:fld id="{92734372-F424-4AB3-A24B-2B71C4C5D82A}" type="datetimeFigureOut">
               <a:rPr lang="en-US" smtClean="0"/>
-              <a:t>11/22/2022</a:t>
+              <a:t>11/24/2022</a:t>
             </a:fld>
             <a:endParaRPr lang="en-US"/>
           </a:p>
@@ -466,7 +662,7 @@
           <a:p>
             <a:fld id="{92734372-F424-4AB3-A24B-2B71C4C5D82A}" type="datetimeFigureOut">
               <a:rPr lang="en-US" smtClean="0"/>
-              <a:t>11/22/2022</a:t>
+              <a:t>11/24/2022</a:t>
             </a:fld>
             <a:endParaRPr lang="en-US"/>
           </a:p>
@@ -674,7 +870,7 @@
           <a:p>
             <a:fld id="{92734372-F424-4AB3-A24B-2B71C4C5D82A}" type="datetimeFigureOut">
               <a:rPr lang="en-US" smtClean="0"/>
-              <a:t>11/22/2022</a:t>
+              <a:t>11/24/2022</a:t>
             </a:fld>
             <a:endParaRPr lang="en-US"/>
           </a:p>
@@ -872,7 +1068,7 @@
           <a:p>
             <a:fld id="{92734372-F424-4AB3-A24B-2B71C4C5D82A}" type="datetimeFigureOut">
               <a:rPr lang="en-US" smtClean="0"/>
-              <a:t>11/22/2022</a:t>
+              <a:t>11/24/2022</a:t>
             </a:fld>
             <a:endParaRPr lang="en-US"/>
           </a:p>
@@ -1147,7 +1343,7 @@
           <a:p>
             <a:fld id="{92734372-F424-4AB3-A24B-2B71C4C5D82A}" type="datetimeFigureOut">
               <a:rPr lang="en-US" smtClean="0"/>
-              <a:t>11/22/2022</a:t>
+              <a:t>11/24/2022</a:t>
             </a:fld>
             <a:endParaRPr lang="en-US"/>
           </a:p>
@@ -1412,7 +1608,7 @@
           <a:p>
             <a:fld id="{92734372-F424-4AB3-A24B-2B71C4C5D82A}" type="datetimeFigureOut">
               <a:rPr lang="en-US" smtClean="0"/>
-              <a:t>11/22/2022</a:t>
+              <a:t>11/24/2022</a:t>
             </a:fld>
             <a:endParaRPr lang="en-US"/>
           </a:p>
@@ -1824,7 +2020,7 @@
           <a:p>
             <a:fld id="{92734372-F424-4AB3-A24B-2B71C4C5D82A}" type="datetimeFigureOut">
               <a:rPr lang="en-US" smtClean="0"/>
-              <a:t>11/22/2022</a:t>
+              <a:t>11/24/2022</a:t>
             </a:fld>
             <a:endParaRPr lang="en-US"/>
           </a:p>
@@ -1965,7 +2161,7 @@
           <a:p>
             <a:fld id="{92734372-F424-4AB3-A24B-2B71C4C5D82A}" type="datetimeFigureOut">
               <a:rPr lang="en-US" smtClean="0"/>
-              <a:t>11/22/2022</a:t>
+              <a:t>11/24/2022</a:t>
             </a:fld>
             <a:endParaRPr lang="en-US"/>
           </a:p>
@@ -2078,7 +2274,7 @@
           <a:p>
             <a:fld id="{92734372-F424-4AB3-A24B-2B71C4C5D82A}" type="datetimeFigureOut">
               <a:rPr lang="en-US" smtClean="0"/>
-              <a:t>11/22/2022</a:t>
+              <a:t>11/24/2022</a:t>
             </a:fld>
             <a:endParaRPr lang="en-US"/>
           </a:p>
@@ -2389,7 +2585,7 @@
           <a:p>
             <a:fld id="{92734372-F424-4AB3-A24B-2B71C4C5D82A}" type="datetimeFigureOut">
               <a:rPr lang="en-US" smtClean="0"/>
-              <a:t>11/22/2022</a:t>
+              <a:t>11/24/2022</a:t>
             </a:fld>
             <a:endParaRPr lang="en-US"/>
           </a:p>
@@ -2677,7 +2873,7 @@
           <a:p>
             <a:fld id="{92734372-F424-4AB3-A24B-2B71C4C5D82A}" type="datetimeFigureOut">
               <a:rPr lang="en-US" smtClean="0"/>
-              <a:t>11/22/2022</a:t>
+              <a:t>11/24/2022</a:t>
             </a:fld>
             <a:endParaRPr lang="en-US"/>
           </a:p>
@@ -2918,7 +3114,7 @@
           <a:p>
             <a:fld id="{92734372-F424-4AB3-A24B-2B71C4C5D82A}" type="datetimeFigureOut">
               <a:rPr lang="en-US" smtClean="0"/>
-              <a:t>11/22/2022</a:t>
+              <a:t>11/24/2022</a:t>
             </a:fld>
             <a:endParaRPr lang="en-US"/>
           </a:p>
@@ -3397,11 +3593,11 @@
           <a:lstStyle/>
           <a:p>
             <a:r>
-              <a:rPr lang="nb-NO">
+              <a:rPr lang="nb-NO" dirty="0">
                 <a:latin typeface="Times New Roman" panose="02020603050405020304" pitchFamily="18" charset="0"/>
                 <a:cs typeface="Times New Roman" panose="02020603050405020304" pitchFamily="18" charset="0"/>
               </a:rPr>
-              <a:t>TTK15 – Feltlab</a:t>
+              <a:t>TTK15</a:t>
             </a:r>
           </a:p>
           <a:p>
@@ -3425,6 +3621,89 @@
     <p:extLst>
       <p:ext uri="{BB962C8B-B14F-4D97-AF65-F5344CB8AC3E}">
         <p14:creationId xmlns:p14="http://schemas.microsoft.com/office/powerpoint/2010/main" val="3027773891"/>
+      </p:ext>
+    </p:extLst>
+  </p:cSld>
+  <p:clrMapOvr>
+    <a:masterClrMapping/>
+  </p:clrMapOvr>
+</p:sld>
+</file>
+
+<file path=ppt/slides/slide10.xml><?xml version="1.0" encoding="utf-8"?>
+<p:sld xmlns:a="http://schemas.openxmlformats.org/drawingml/2006/main" xmlns:r="http://schemas.openxmlformats.org/officeDocument/2006/relationships" xmlns:p="http://schemas.openxmlformats.org/presentationml/2006/main">
+  <p:cSld>
+    <p:spTree>
+      <p:nvGrpSpPr>
+        <p:cNvPr id="1" name=""/>
+        <p:cNvGrpSpPr/>
+        <p:nvPr/>
+      </p:nvGrpSpPr>
+      <p:grpSpPr>
+        <a:xfrm>
+          <a:off x="0" y="0"/>
+          <a:ext cx="0" cy="0"/>
+          <a:chOff x="0" y="0"/>
+          <a:chExt cx="0" cy="0"/>
+        </a:xfrm>
+      </p:grpSpPr>
+      <p:sp>
+        <p:nvSpPr>
+          <p:cNvPr id="2" name="Title 1">
+            <a:extLst>
+              <a:ext uri="{FF2B5EF4-FFF2-40B4-BE49-F238E27FC236}">
+                <a16:creationId xmlns:a16="http://schemas.microsoft.com/office/drawing/2014/main" id="{9AB4F753-E17D-E0DB-14B5-21F2C2ADB460}"/>
+              </a:ext>
+            </a:extLst>
+          </p:cNvPr>
+          <p:cNvSpPr>
+            <a:spLocks noGrp="1"/>
+          </p:cNvSpPr>
+          <p:nvPr>
+            <p:ph type="title"/>
+          </p:nvPr>
+        </p:nvSpPr>
+        <p:spPr/>
+        <p:txBody>
+          <a:bodyPr/>
+          <a:lstStyle/>
+          <a:p>
+            <a:r>
+              <a:rPr lang="nb-NO" dirty="0"/>
+              <a:t>Hydrofoner</a:t>
+            </a:r>
+          </a:p>
+        </p:txBody>
+      </p:sp>
+      <p:sp>
+        <p:nvSpPr>
+          <p:cNvPr id="3" name="Content Placeholder 2">
+            <a:extLst>
+              <a:ext uri="{FF2B5EF4-FFF2-40B4-BE49-F238E27FC236}">
+                <a16:creationId xmlns:a16="http://schemas.microsoft.com/office/drawing/2014/main" id="{E54D66BD-7FA2-125A-DF06-21ACB32B5110}"/>
+              </a:ext>
+            </a:extLst>
+          </p:cNvPr>
+          <p:cNvSpPr>
+            <a:spLocks noGrp="1"/>
+          </p:cNvSpPr>
+          <p:nvPr>
+            <p:ph idx="1"/>
+          </p:nvPr>
+        </p:nvSpPr>
+        <p:spPr/>
+        <p:txBody>
+          <a:bodyPr/>
+          <a:lstStyle/>
+          <a:p>
+            <a:endParaRPr lang="nb-NO"/>
+          </a:p>
+        </p:txBody>
+      </p:sp>
+    </p:spTree>
+    <p:extLst>
+      <p:ext uri="{BB962C8B-B14F-4D97-AF65-F5344CB8AC3E}">
+        <p14:creationId xmlns:p14="http://schemas.microsoft.com/office/powerpoint/2010/main" val="3716999672"/>
       </p:ext>
     </p:extLst>
   </p:cSld>
@@ -3472,7 +3751,10 @@
           <a:bodyPr/>
           <a:lstStyle/>
           <a:p>
-            <a:endParaRPr lang="nb-NO" dirty="0"/>
+            <a:r>
+              <a:rPr lang="nb-NO" dirty="0"/>
+              <a:t>Introduksjon</a:t>
+            </a:r>
           </a:p>
         </p:txBody>
       </p:sp>
@@ -3505,6 +3787,593 @@
     <p:extLst>
       <p:ext uri="{BB962C8B-B14F-4D97-AF65-F5344CB8AC3E}">
         <p14:creationId xmlns:p14="http://schemas.microsoft.com/office/powerpoint/2010/main" val="2712213119"/>
+      </p:ext>
+    </p:extLst>
+  </p:cSld>
+  <p:clrMapOvr>
+    <a:masterClrMapping/>
+  </p:clrMapOvr>
+</p:sld>
+</file>
+
+<file path=ppt/slides/slide3.xml><?xml version="1.0" encoding="utf-8"?>
+<p:sld xmlns:a="http://schemas.openxmlformats.org/drawingml/2006/main" xmlns:r="http://schemas.openxmlformats.org/officeDocument/2006/relationships" xmlns:p="http://schemas.openxmlformats.org/presentationml/2006/main">
+  <p:cSld>
+    <p:spTree>
+      <p:nvGrpSpPr>
+        <p:cNvPr id="1" name=""/>
+        <p:cNvGrpSpPr/>
+        <p:nvPr/>
+      </p:nvGrpSpPr>
+      <p:grpSpPr>
+        <a:xfrm>
+          <a:off x="0" y="0"/>
+          <a:ext cx="0" cy="0"/>
+          <a:chOff x="0" y="0"/>
+          <a:chExt cx="0" cy="0"/>
+        </a:xfrm>
+      </p:grpSpPr>
+      <p:sp>
+        <p:nvSpPr>
+          <p:cNvPr id="2" name="Title 1">
+            <a:extLst>
+              <a:ext uri="{FF2B5EF4-FFF2-40B4-BE49-F238E27FC236}">
+                <a16:creationId xmlns:a16="http://schemas.microsoft.com/office/drawing/2014/main" id="{BE739DB5-B3A1-F247-D099-ADB3C4779FD1}"/>
+              </a:ext>
+            </a:extLst>
+          </p:cNvPr>
+          <p:cNvSpPr>
+            <a:spLocks noGrp="1"/>
+          </p:cNvSpPr>
+          <p:nvPr>
+            <p:ph type="title"/>
+          </p:nvPr>
+        </p:nvSpPr>
+        <p:spPr/>
+        <p:txBody>
+          <a:bodyPr/>
+          <a:lstStyle/>
+          <a:p>
+            <a:r>
+              <a:rPr lang="nb-NO" dirty="0"/>
+              <a:t>Måleinstrumenter og utstyr</a:t>
+            </a:r>
+          </a:p>
+        </p:txBody>
+      </p:sp>
+      <p:sp>
+        <p:nvSpPr>
+          <p:cNvPr id="3" name="Content Placeholder 2">
+            <a:extLst>
+              <a:ext uri="{FF2B5EF4-FFF2-40B4-BE49-F238E27FC236}">
+                <a16:creationId xmlns:a16="http://schemas.microsoft.com/office/drawing/2014/main" id="{81C1F7F4-1BC7-3A42-87E8-332415E81D6A}"/>
+              </a:ext>
+            </a:extLst>
+          </p:cNvPr>
+          <p:cNvSpPr>
+            <a:spLocks noGrp="1"/>
+          </p:cNvSpPr>
+          <p:nvPr>
+            <p:ph idx="1"/>
+          </p:nvPr>
+        </p:nvSpPr>
+        <p:spPr/>
+        <p:txBody>
+          <a:bodyPr/>
+          <a:lstStyle/>
+          <a:p>
+            <a:endParaRPr lang="nb-NO"/>
+          </a:p>
+        </p:txBody>
+      </p:sp>
+    </p:spTree>
+    <p:extLst>
+      <p:ext uri="{BB962C8B-B14F-4D97-AF65-F5344CB8AC3E}">
+        <p14:creationId xmlns:p14="http://schemas.microsoft.com/office/powerpoint/2010/main" val="1663155470"/>
+      </p:ext>
+    </p:extLst>
+  </p:cSld>
+  <p:clrMapOvr>
+    <a:masterClrMapping/>
+  </p:clrMapOvr>
+</p:sld>
+</file>
+
+<file path=ppt/slides/slide4.xml><?xml version="1.0" encoding="utf-8"?>
+<p:sld xmlns:a="http://schemas.openxmlformats.org/drawingml/2006/main" xmlns:r="http://schemas.openxmlformats.org/officeDocument/2006/relationships" xmlns:p="http://schemas.openxmlformats.org/presentationml/2006/main">
+  <p:cSld>
+    <p:spTree>
+      <p:nvGrpSpPr>
+        <p:cNvPr id="1" name=""/>
+        <p:cNvGrpSpPr/>
+        <p:nvPr/>
+      </p:nvGrpSpPr>
+      <p:grpSpPr>
+        <a:xfrm>
+          <a:off x="0" y="0"/>
+          <a:ext cx="0" cy="0"/>
+          <a:chOff x="0" y="0"/>
+          <a:chExt cx="0" cy="0"/>
+        </a:xfrm>
+      </p:grpSpPr>
+      <p:sp>
+        <p:nvSpPr>
+          <p:cNvPr id="2" name="Title 1">
+            <a:extLst>
+              <a:ext uri="{FF2B5EF4-FFF2-40B4-BE49-F238E27FC236}">
+                <a16:creationId xmlns:a16="http://schemas.microsoft.com/office/drawing/2014/main" id="{0A9F36CD-41B6-E444-E8E4-D7EAA11FFF0C}"/>
+              </a:ext>
+            </a:extLst>
+          </p:cNvPr>
+          <p:cNvSpPr>
+            <a:spLocks noGrp="1"/>
+          </p:cNvSpPr>
+          <p:nvPr>
+            <p:ph type="title"/>
+          </p:nvPr>
+        </p:nvSpPr>
+        <p:spPr/>
+        <p:txBody>
+          <a:bodyPr/>
+          <a:lstStyle/>
+          <a:p>
+            <a:r>
+              <a:rPr lang="nb-NO" dirty="0"/>
+              <a:t>CTD</a:t>
+            </a:r>
+          </a:p>
+        </p:txBody>
+      </p:sp>
+      <p:sp>
+        <p:nvSpPr>
+          <p:cNvPr id="3" name="Content Placeholder 2">
+            <a:extLst>
+              <a:ext uri="{FF2B5EF4-FFF2-40B4-BE49-F238E27FC236}">
+                <a16:creationId xmlns:a16="http://schemas.microsoft.com/office/drawing/2014/main" id="{AE8F1E5C-852C-01E7-20A3-5D8B421BCD27}"/>
+              </a:ext>
+            </a:extLst>
+          </p:cNvPr>
+          <p:cNvSpPr>
+            <a:spLocks noGrp="1"/>
+          </p:cNvSpPr>
+          <p:nvPr>
+            <p:ph idx="1"/>
+          </p:nvPr>
+        </p:nvSpPr>
+        <p:spPr/>
+        <p:txBody>
+          <a:bodyPr/>
+          <a:lstStyle/>
+          <a:p>
+            <a:endParaRPr lang="nb-NO" dirty="0"/>
+          </a:p>
+        </p:txBody>
+      </p:sp>
+    </p:spTree>
+    <p:extLst>
+      <p:ext uri="{BB962C8B-B14F-4D97-AF65-F5344CB8AC3E}">
+        <p14:creationId xmlns:p14="http://schemas.microsoft.com/office/powerpoint/2010/main" val="3772156027"/>
+      </p:ext>
+    </p:extLst>
+  </p:cSld>
+  <p:clrMapOvr>
+    <a:masterClrMapping/>
+  </p:clrMapOvr>
+</p:sld>
+</file>
+
+<file path=ppt/slides/slide5.xml><?xml version="1.0" encoding="utf-8"?>
+<p:sld xmlns:a="http://schemas.openxmlformats.org/drawingml/2006/main" xmlns:r="http://schemas.openxmlformats.org/officeDocument/2006/relationships" xmlns:p="http://schemas.openxmlformats.org/presentationml/2006/main">
+  <p:cSld>
+    <p:spTree>
+      <p:nvGrpSpPr>
+        <p:cNvPr id="1" name=""/>
+        <p:cNvGrpSpPr/>
+        <p:nvPr/>
+      </p:nvGrpSpPr>
+      <p:grpSpPr>
+        <a:xfrm>
+          <a:off x="0" y="0"/>
+          <a:ext cx="0" cy="0"/>
+          <a:chOff x="0" y="0"/>
+          <a:chExt cx="0" cy="0"/>
+        </a:xfrm>
+      </p:grpSpPr>
+      <p:sp>
+        <p:nvSpPr>
+          <p:cNvPr id="2" name="Title 1">
+            <a:extLst>
+              <a:ext uri="{FF2B5EF4-FFF2-40B4-BE49-F238E27FC236}">
+                <a16:creationId xmlns:a16="http://schemas.microsoft.com/office/drawing/2014/main" id="{3F92CBE6-9F3B-09F1-DD6B-0F9DB0936733}"/>
+              </a:ext>
+            </a:extLst>
+          </p:cNvPr>
+          <p:cNvSpPr>
+            <a:spLocks noGrp="1"/>
+          </p:cNvSpPr>
+          <p:nvPr>
+            <p:ph type="title"/>
+          </p:nvPr>
+        </p:nvSpPr>
+        <p:spPr/>
+        <p:txBody>
+          <a:bodyPr/>
+          <a:lstStyle/>
+          <a:p>
+            <a:r>
+              <a:rPr lang="nb-NO" dirty="0"/>
+              <a:t>Temperatur</a:t>
+            </a:r>
+          </a:p>
+        </p:txBody>
+      </p:sp>
+      <p:sp>
+        <p:nvSpPr>
+          <p:cNvPr id="3" name="Content Placeholder 2">
+            <a:extLst>
+              <a:ext uri="{FF2B5EF4-FFF2-40B4-BE49-F238E27FC236}">
+                <a16:creationId xmlns:a16="http://schemas.microsoft.com/office/drawing/2014/main" id="{03AB9D83-F8F5-E630-1802-4CF48DD195A1}"/>
+              </a:ext>
+            </a:extLst>
+          </p:cNvPr>
+          <p:cNvSpPr>
+            <a:spLocks noGrp="1"/>
+          </p:cNvSpPr>
+          <p:nvPr>
+            <p:ph idx="1"/>
+          </p:nvPr>
+        </p:nvSpPr>
+        <p:spPr/>
+        <p:txBody>
+          <a:bodyPr/>
+          <a:lstStyle/>
+          <a:p>
+            <a:r>
+              <a:rPr lang="nb-NO" dirty="0"/>
+              <a:t>Termoklin</a:t>
+            </a:r>
+          </a:p>
+        </p:txBody>
+      </p:sp>
+    </p:spTree>
+    <p:extLst>
+      <p:ext uri="{BB962C8B-B14F-4D97-AF65-F5344CB8AC3E}">
+        <p14:creationId xmlns:p14="http://schemas.microsoft.com/office/powerpoint/2010/main" val="3354071274"/>
+      </p:ext>
+    </p:extLst>
+  </p:cSld>
+  <p:clrMapOvr>
+    <a:masterClrMapping/>
+  </p:clrMapOvr>
+</p:sld>
+</file>
+
+<file path=ppt/slides/slide6.xml><?xml version="1.0" encoding="utf-8"?>
+<p:sld xmlns:a="http://schemas.openxmlformats.org/drawingml/2006/main" xmlns:r="http://schemas.openxmlformats.org/officeDocument/2006/relationships" xmlns:p="http://schemas.openxmlformats.org/presentationml/2006/main">
+  <p:cSld>
+    <p:spTree>
+      <p:nvGrpSpPr>
+        <p:cNvPr id="1" name=""/>
+        <p:cNvGrpSpPr/>
+        <p:nvPr/>
+      </p:nvGrpSpPr>
+      <p:grpSpPr>
+        <a:xfrm>
+          <a:off x="0" y="0"/>
+          <a:ext cx="0" cy="0"/>
+          <a:chOff x="0" y="0"/>
+          <a:chExt cx="0" cy="0"/>
+        </a:xfrm>
+      </p:grpSpPr>
+      <p:sp>
+        <p:nvSpPr>
+          <p:cNvPr id="2" name="Title 1">
+            <a:extLst>
+              <a:ext uri="{FF2B5EF4-FFF2-40B4-BE49-F238E27FC236}">
+                <a16:creationId xmlns:a16="http://schemas.microsoft.com/office/drawing/2014/main" id="{3739B3EA-19F7-20B7-96E4-936EBFECB246}"/>
+              </a:ext>
+            </a:extLst>
+          </p:cNvPr>
+          <p:cNvSpPr>
+            <a:spLocks noGrp="1"/>
+          </p:cNvSpPr>
+          <p:nvPr>
+            <p:ph type="title"/>
+          </p:nvPr>
+        </p:nvSpPr>
+        <p:spPr/>
+        <p:txBody>
+          <a:bodyPr/>
+          <a:lstStyle/>
+          <a:p>
+            <a:r>
+              <a:rPr lang="nb-NO" dirty="0"/>
+              <a:t>Salinitet</a:t>
+            </a:r>
+          </a:p>
+        </p:txBody>
+      </p:sp>
+      <p:sp>
+        <p:nvSpPr>
+          <p:cNvPr id="3" name="Content Placeholder 2">
+            <a:extLst>
+              <a:ext uri="{FF2B5EF4-FFF2-40B4-BE49-F238E27FC236}">
+                <a16:creationId xmlns:a16="http://schemas.microsoft.com/office/drawing/2014/main" id="{6802E86C-AAE6-A052-D182-0EEA4930C786}"/>
+              </a:ext>
+            </a:extLst>
+          </p:cNvPr>
+          <p:cNvSpPr>
+            <a:spLocks noGrp="1"/>
+          </p:cNvSpPr>
+          <p:nvPr>
+            <p:ph idx="1"/>
+          </p:nvPr>
+        </p:nvSpPr>
+        <p:spPr/>
+        <p:txBody>
+          <a:bodyPr/>
+          <a:lstStyle/>
+          <a:p>
+            <a:r>
+              <a:rPr lang="nb-NO" dirty="0"/>
+              <a:t>Haloklin</a:t>
+            </a:r>
+          </a:p>
+        </p:txBody>
+      </p:sp>
+    </p:spTree>
+    <p:extLst>
+      <p:ext uri="{BB962C8B-B14F-4D97-AF65-F5344CB8AC3E}">
+        <p14:creationId xmlns:p14="http://schemas.microsoft.com/office/powerpoint/2010/main" val="1105677519"/>
+      </p:ext>
+    </p:extLst>
+  </p:cSld>
+  <p:clrMapOvr>
+    <a:masterClrMapping/>
+  </p:clrMapOvr>
+</p:sld>
+</file>
+
+<file path=ppt/slides/slide7.xml><?xml version="1.0" encoding="utf-8"?>
+<p:sld xmlns:a="http://schemas.openxmlformats.org/drawingml/2006/main" xmlns:r="http://schemas.openxmlformats.org/officeDocument/2006/relationships" xmlns:p="http://schemas.openxmlformats.org/presentationml/2006/main">
+  <p:cSld>
+    <p:spTree>
+      <p:nvGrpSpPr>
+        <p:cNvPr id="1" name=""/>
+        <p:cNvGrpSpPr/>
+        <p:nvPr/>
+      </p:nvGrpSpPr>
+      <p:grpSpPr>
+        <a:xfrm>
+          <a:off x="0" y="0"/>
+          <a:ext cx="0" cy="0"/>
+          <a:chOff x="0" y="0"/>
+          <a:chExt cx="0" cy="0"/>
+        </a:xfrm>
+      </p:grpSpPr>
+      <p:sp>
+        <p:nvSpPr>
+          <p:cNvPr id="2" name="Title 1">
+            <a:extLst>
+              <a:ext uri="{FF2B5EF4-FFF2-40B4-BE49-F238E27FC236}">
+                <a16:creationId xmlns:a16="http://schemas.microsoft.com/office/drawing/2014/main" id="{C394854B-4427-36E2-68E8-BAE7BDF85B82}"/>
+              </a:ext>
+            </a:extLst>
+          </p:cNvPr>
+          <p:cNvSpPr>
+            <a:spLocks noGrp="1"/>
+          </p:cNvSpPr>
+          <p:nvPr>
+            <p:ph type="title"/>
+          </p:nvPr>
+        </p:nvSpPr>
+        <p:spPr/>
+        <p:txBody>
+          <a:bodyPr/>
+          <a:lstStyle/>
+          <a:p>
+            <a:r>
+              <a:rPr lang="nb-NO" dirty="0"/>
+              <a:t>Lydhastighet</a:t>
+            </a:r>
+          </a:p>
+        </p:txBody>
+      </p:sp>
+      <p:sp>
+        <p:nvSpPr>
+          <p:cNvPr id="3" name="Content Placeholder 2">
+            <a:extLst>
+              <a:ext uri="{FF2B5EF4-FFF2-40B4-BE49-F238E27FC236}">
+                <a16:creationId xmlns:a16="http://schemas.microsoft.com/office/drawing/2014/main" id="{B72099ED-1BAD-B1BC-51DB-ED194017370C}"/>
+              </a:ext>
+            </a:extLst>
+          </p:cNvPr>
+          <p:cNvSpPr>
+            <a:spLocks noGrp="1"/>
+          </p:cNvSpPr>
+          <p:nvPr>
+            <p:ph idx="1"/>
+          </p:nvPr>
+        </p:nvSpPr>
+        <p:spPr/>
+        <p:txBody>
+          <a:bodyPr/>
+          <a:lstStyle/>
+          <a:p>
+            <a:endParaRPr lang="nb-NO"/>
+          </a:p>
+        </p:txBody>
+      </p:sp>
+    </p:spTree>
+    <p:extLst>
+      <p:ext uri="{BB962C8B-B14F-4D97-AF65-F5344CB8AC3E}">
+        <p14:creationId xmlns:p14="http://schemas.microsoft.com/office/powerpoint/2010/main" val="1954204938"/>
+      </p:ext>
+    </p:extLst>
+  </p:cSld>
+  <p:clrMapOvr>
+    <a:masterClrMapping/>
+  </p:clrMapOvr>
+</p:sld>
+</file>
+
+<file path=ppt/slides/slide8.xml><?xml version="1.0" encoding="utf-8"?>
+<p:sld xmlns:a="http://schemas.openxmlformats.org/drawingml/2006/main" xmlns:r="http://schemas.openxmlformats.org/officeDocument/2006/relationships" xmlns:p="http://schemas.openxmlformats.org/presentationml/2006/main">
+  <p:cSld>
+    <p:spTree>
+      <p:nvGrpSpPr>
+        <p:cNvPr id="1" name=""/>
+        <p:cNvGrpSpPr/>
+        <p:nvPr/>
+      </p:nvGrpSpPr>
+      <p:grpSpPr>
+        <a:xfrm>
+          <a:off x="0" y="0"/>
+          <a:ext cx="0" cy="0"/>
+          <a:chOff x="0" y="0"/>
+          <a:chExt cx="0" cy="0"/>
+        </a:xfrm>
+      </p:grpSpPr>
+      <p:sp>
+        <p:nvSpPr>
+          <p:cNvPr id="2" name="Title 1">
+            <a:extLst>
+              <a:ext uri="{FF2B5EF4-FFF2-40B4-BE49-F238E27FC236}">
+                <a16:creationId xmlns:a16="http://schemas.microsoft.com/office/drawing/2014/main" id="{976BB3EB-7D3C-ECAA-C525-83F440C18C06}"/>
+              </a:ext>
+            </a:extLst>
+          </p:cNvPr>
+          <p:cNvSpPr>
+            <a:spLocks noGrp="1"/>
+          </p:cNvSpPr>
+          <p:nvPr>
+            <p:ph type="title"/>
+          </p:nvPr>
+        </p:nvSpPr>
+        <p:spPr/>
+        <p:txBody>
+          <a:bodyPr/>
+          <a:lstStyle/>
+          <a:p>
+            <a:endParaRPr lang="nb-NO"/>
+          </a:p>
+        </p:txBody>
+      </p:sp>
+      <p:sp>
+        <p:nvSpPr>
+          <p:cNvPr id="3" name="Content Placeholder 2">
+            <a:extLst>
+              <a:ext uri="{FF2B5EF4-FFF2-40B4-BE49-F238E27FC236}">
+                <a16:creationId xmlns:a16="http://schemas.microsoft.com/office/drawing/2014/main" id="{D526D449-197E-4391-3485-8DA909AD8DB7}"/>
+              </a:ext>
+            </a:extLst>
+          </p:cNvPr>
+          <p:cNvSpPr>
+            <a:spLocks noGrp="1"/>
+          </p:cNvSpPr>
+          <p:nvPr>
+            <p:ph idx="1"/>
+          </p:nvPr>
+        </p:nvSpPr>
+        <p:spPr/>
+        <p:txBody>
+          <a:bodyPr/>
+          <a:lstStyle/>
+          <a:p>
+            <a:endParaRPr lang="nb-NO"/>
+          </a:p>
+        </p:txBody>
+      </p:sp>
+    </p:spTree>
+    <p:extLst>
+      <p:ext uri="{BB962C8B-B14F-4D97-AF65-F5344CB8AC3E}">
+        <p14:creationId xmlns:p14="http://schemas.microsoft.com/office/powerpoint/2010/main" val="775651380"/>
+      </p:ext>
+    </p:extLst>
+  </p:cSld>
+  <p:clrMapOvr>
+    <a:masterClrMapping/>
+  </p:clrMapOvr>
+</p:sld>
+</file>
+
+<file path=ppt/slides/slide9.xml><?xml version="1.0" encoding="utf-8"?>
+<p:sld xmlns:a="http://schemas.openxmlformats.org/drawingml/2006/main" xmlns:r="http://schemas.openxmlformats.org/officeDocument/2006/relationships" xmlns:p="http://schemas.openxmlformats.org/presentationml/2006/main">
+  <p:cSld>
+    <p:spTree>
+      <p:nvGrpSpPr>
+        <p:cNvPr id="1" name=""/>
+        <p:cNvGrpSpPr/>
+        <p:nvPr/>
+      </p:nvGrpSpPr>
+      <p:grpSpPr>
+        <a:xfrm>
+          <a:off x="0" y="0"/>
+          <a:ext cx="0" cy="0"/>
+          <a:chOff x="0" y="0"/>
+          <a:chExt cx="0" cy="0"/>
+        </a:xfrm>
+      </p:grpSpPr>
+      <p:sp>
+        <p:nvSpPr>
+          <p:cNvPr id="2" name="Title 1">
+            <a:extLst>
+              <a:ext uri="{FF2B5EF4-FFF2-40B4-BE49-F238E27FC236}">
+                <a16:creationId xmlns:a16="http://schemas.microsoft.com/office/drawing/2014/main" id="{497019CD-934B-3452-81B8-C9D5E24ABF10}"/>
+              </a:ext>
+            </a:extLst>
+          </p:cNvPr>
+          <p:cNvSpPr>
+            <a:spLocks noGrp="1"/>
+          </p:cNvSpPr>
+          <p:nvPr>
+            <p:ph type="title"/>
+          </p:nvPr>
+        </p:nvSpPr>
+        <p:spPr/>
+        <p:txBody>
+          <a:bodyPr/>
+          <a:lstStyle/>
+          <a:p>
+            <a:r>
+              <a:rPr lang="nb-NO" dirty="0"/>
+              <a:t>Akustiske sendere</a:t>
+            </a:r>
+          </a:p>
+        </p:txBody>
+      </p:sp>
+      <p:sp>
+        <p:nvSpPr>
+          <p:cNvPr id="3" name="Content Placeholder 2">
+            <a:extLst>
+              <a:ext uri="{FF2B5EF4-FFF2-40B4-BE49-F238E27FC236}">
+                <a16:creationId xmlns:a16="http://schemas.microsoft.com/office/drawing/2014/main" id="{9C62AF2D-8CE9-1908-6E31-84639370C050}"/>
+              </a:ext>
+            </a:extLst>
+          </p:cNvPr>
+          <p:cNvSpPr>
+            <a:spLocks noGrp="1"/>
+          </p:cNvSpPr>
+          <p:nvPr>
+            <p:ph idx="1"/>
+          </p:nvPr>
+        </p:nvSpPr>
+        <p:spPr/>
+        <p:txBody>
+          <a:bodyPr/>
+          <a:lstStyle/>
+          <a:p>
+            <a:r>
+              <a:rPr lang="nb-NO" dirty="0"/>
+              <a:t>Thelma biotel</a:t>
+            </a:r>
+          </a:p>
+        </p:txBody>
+      </p:sp>
+    </p:spTree>
+    <p:extLst>
+      <p:ext uri="{BB962C8B-B14F-4D97-AF65-F5344CB8AC3E}">
+        <p14:creationId xmlns:p14="http://schemas.microsoft.com/office/powerpoint/2010/main" val="3214279908"/>
       </p:ext>
     </p:extLst>
   </p:cSld>
